--- a/cybersecurity_attacks/cybersecurity_attacks.pptx
+++ b/cybersecurity_attacks/cybersecurity_attacks.pptx
@@ -11283,9 +11283,6 @@
             <a:pPr marL="971550" lvl="1"/>
             <a:r>
               <a:rPr lang="en-US" altLang="zh-TW" sz="2200" b="1" dirty="0">
-                <a:solidFill>
-                  <a:schemeClr val="accent6"/>
-                </a:solidFill>
                 <a:latin typeface="Times New Roman" panose="02020603050405020304" pitchFamily="18" charset="0"/>
                 <a:cs typeface="Times New Roman" panose="02020603050405020304" pitchFamily="18" charset="0"/>
               </a:rPr>
@@ -11296,23 +11293,10 @@
             <a:pPr marL="971550" lvl="1"/>
             <a:r>
               <a:rPr lang="en-US" altLang="zh-TW" sz="2200" b="1" dirty="0">
-                <a:solidFill>
-                  <a:schemeClr val="accent6"/>
-                </a:solidFill>
                 <a:latin typeface="Times New Roman" panose="02020603050405020304" pitchFamily="18" charset="0"/>
                 <a:cs typeface="Times New Roman" panose="02020603050405020304" pitchFamily="18" charset="0"/>
               </a:rPr>
-              <a:t>Response: Activate DDoS mitigation tools, alert IT security </a:t>
-            </a:r>
-            <a:r>
-              <a:rPr lang="en-US" altLang="zh-TW" sz="2200" b="1">
-                <a:solidFill>
-                  <a:schemeClr val="accent6"/>
-                </a:solidFill>
-                <a:latin typeface="Times New Roman" panose="02020603050405020304" pitchFamily="18" charset="0"/>
-                <a:cs typeface="Times New Roman" panose="02020603050405020304" pitchFamily="18" charset="0"/>
-              </a:rPr>
-              <a:t>teams.</a:t>
+              <a:t>Response: Activate DDoS mitigation tools, alert IT security teams.</a:t>
             </a:r>
           </a:p>
           <a:p>
@@ -11342,9 +11326,6 @@
             <a:pPr marL="971550" lvl="1"/>
             <a:r>
               <a:rPr lang="en-US" altLang="zh-TW" sz="2200" b="1" dirty="0">
-                <a:solidFill>
-                  <a:schemeClr val="accent6"/>
-                </a:solidFill>
                 <a:latin typeface="Times New Roman" panose="02020603050405020304" pitchFamily="18" charset="0"/>
                 <a:cs typeface="Times New Roman" panose="02020603050405020304" pitchFamily="18" charset="0"/>
               </a:rPr>
@@ -11355,9 +11336,6 @@
             <a:pPr marL="971550" lvl="1"/>
             <a:r>
               <a:rPr lang="en-US" altLang="zh-TW" sz="2200" b="1" dirty="0">
-                <a:solidFill>
-                  <a:schemeClr val="accent6"/>
-                </a:solidFill>
                 <a:latin typeface="Times New Roman" panose="02020603050405020304" pitchFamily="18" charset="0"/>
                 <a:cs typeface="Times New Roman" panose="02020603050405020304" pitchFamily="18" charset="0"/>
               </a:rPr>
@@ -11391,9 +11369,6 @@
             <a:pPr marL="971550" lvl="1"/>
             <a:r>
               <a:rPr lang="en-US" altLang="zh-TW" sz="2200" b="1" dirty="0">
-                <a:solidFill>
-                  <a:schemeClr val="accent6"/>
-                </a:solidFill>
                 <a:latin typeface="Times New Roman" panose="02020603050405020304" pitchFamily="18" charset="0"/>
                 <a:cs typeface="Times New Roman" panose="02020603050405020304" pitchFamily="18" charset="0"/>
               </a:rPr>
@@ -11404,9 +11379,6 @@
             <a:pPr marL="971550" lvl="1"/>
             <a:r>
               <a:rPr lang="en-US" altLang="zh-TW" sz="2200" b="1" dirty="0">
-                <a:solidFill>
-                  <a:schemeClr val="accent6"/>
-                </a:solidFill>
                 <a:latin typeface="Times New Roman" panose="02020603050405020304" pitchFamily="18" charset="0"/>
                 <a:cs typeface="Times New Roman" panose="02020603050405020304" pitchFamily="18" charset="0"/>
               </a:rPr>
